--- a/Döner_Spotted_Zwischenstand.pptx
+++ b/Döner_Spotted_Zwischenstand.pptx
@@ -218,7 +218,7 @@
           <a:p>
             <a:fld id="{A1B5569C-43E5-4631-BD22-AE246E92EDBE}" type="datetimeFigureOut">
               <a:rPr lang="de-AT" smtClean="0"/>
-              <a:t>30.03.2017</a:t>
+              <a:t>01.06.2017</a:t>
             </a:fld>
             <a:endParaRPr lang="de-AT"/>
           </a:p>
@@ -794,7 +794,7 @@
           <a:p>
             <a:fld id="{FCFF9D65-DEFD-4D73-ACB2-8658D61BFEED}" type="datetime2">
               <a:rPr lang="en-US" smtClean="0"/>
-              <a:t>Thursday, March 30, 2017</a:t>
+              <a:t>Thursday, June 1, 2017</a:t>
             </a:fld>
             <a:endParaRPr lang="en-US" dirty="0"/>
           </a:p>
@@ -1085,7 +1085,7 @@
           <a:p>
             <a:fld id="{F8B13A1A-CD6E-4DE1-9E4F-D274B4E75E7C}" type="datetime2">
               <a:rPr lang="en-US" smtClean="0"/>
-              <a:t>Thursday, March 30, 2017</a:t>
+              <a:t>Thursday, June 1, 2017</a:t>
             </a:fld>
             <a:endParaRPr lang="en-US" dirty="0"/>
           </a:p>
@@ -1344,7 +1344,7 @@
           <a:p>
             <a:fld id="{1F8AAF82-E5EB-4DCC-90C9-5A6A9EAEDF52}" type="datetime2">
               <a:rPr lang="en-US" smtClean="0"/>
-              <a:t>Thursday, March 30, 2017</a:t>
+              <a:t>Thursday, June 1, 2017</a:t>
             </a:fld>
             <a:endParaRPr lang="en-US" dirty="0"/>
           </a:p>
@@ -1813,7 +1813,7 @@
           <a:p>
             <a:fld id="{DF3FBAC4-690B-4A2C-9366-00C1B5823A64}" type="datetime2">
               <a:rPr lang="en-US" smtClean="0"/>
-              <a:t>Thursday, March 30, 2017</a:t>
+              <a:t>Thursday, June 1, 2017</a:t>
             </a:fld>
             <a:endParaRPr lang="en-US" dirty="0"/>
           </a:p>
@@ -1993,7 +1993,7 @@
           <a:p>
             <a:fld id="{97050102-BD3D-46C3-A746-0FD0D793585C}" type="datetime2">
               <a:rPr lang="en-US" smtClean="0"/>
-              <a:t>Thursday, March 30, 2017</a:t>
+              <a:t>Thursday, June 1, 2017</a:t>
             </a:fld>
             <a:endParaRPr lang="en-US" dirty="0"/>
           </a:p>
@@ -2569,7 +2569,7 @@
           <a:p>
             <a:fld id="{A1DE9333-FCD0-4E60-A316-38AE3DCF7517}" type="datetime2">
               <a:rPr lang="en-US" smtClean="0"/>
-              <a:t>Thursday, March 30, 2017</a:t>
+              <a:t>Thursday, June 1, 2017</a:t>
             </a:fld>
             <a:endParaRPr lang="en-US" dirty="0"/>
           </a:p>
@@ -2901,7 +2901,7 @@
           <a:p>
             <a:fld id="{DF000AF9-96D6-46A1-9571-9117136CA32F}" type="datetime2">
               <a:rPr lang="en-US" smtClean="0"/>
-              <a:t>Thursday, March 30, 2017</a:t>
+              <a:t>Thursday, June 1, 2017</a:t>
             </a:fld>
             <a:endParaRPr lang="en-US" dirty="0"/>
           </a:p>
@@ -3076,7 +3076,7 @@
           <a:p>
             <a:fld id="{FCB66213-EA28-4FC0-BF3D-29075E0B68ED}" type="datetime2">
               <a:rPr lang="en-US" smtClean="0"/>
-              <a:t>Thursday, March 30, 2017</a:t>
+              <a:t>Thursday, June 1, 2017</a:t>
             </a:fld>
             <a:endParaRPr lang="en-US" dirty="0"/>
           </a:p>
@@ -3256,7 +3256,7 @@
           <a:p>
             <a:fld id="{CAA2C11C-AD9F-41B7-9064-53C76A5C7DDD}" type="datetime2">
               <a:rPr lang="en-US" smtClean="0"/>
-              <a:t>Thursday, March 30, 2017</a:t>
+              <a:t>Thursday, June 1, 2017</a:t>
             </a:fld>
             <a:endParaRPr lang="en-US" dirty="0"/>
           </a:p>
@@ -3426,7 +3426,7 @@
           <a:p>
             <a:fld id="{BC1C8FE1-42E3-4132-852F-86149320C3A9}" type="datetime2">
               <a:rPr lang="en-US" smtClean="0"/>
-              <a:t>Thursday, March 30, 2017</a:t>
+              <a:t>Thursday, June 1, 2017</a:t>
             </a:fld>
             <a:endParaRPr lang="en-US" dirty="0"/>
           </a:p>
@@ -3683,7 +3683,7 @@
           <a:p>
             <a:fld id="{C30E4668-65A3-459C-9295-017E75404DD0}" type="datetime2">
               <a:rPr lang="en-US" smtClean="0"/>
-              <a:t>Thursday, March 30, 2017</a:t>
+              <a:t>Thursday, June 1, 2017</a:t>
             </a:fld>
             <a:endParaRPr lang="en-US" dirty="0"/>
           </a:p>
@@ -3975,7 +3975,7 @@
           <a:p>
             <a:fld id="{8EDDA8A4-CD2D-45B9-A10D-3A0776B40216}" type="datetime2">
               <a:rPr lang="en-US" smtClean="0"/>
-              <a:t>Thursday, March 30, 2017</a:t>
+              <a:t>Thursday, June 1, 2017</a:t>
             </a:fld>
             <a:endParaRPr lang="en-US" dirty="0"/>
           </a:p>
@@ -4405,7 +4405,7 @@
           <a:p>
             <a:fld id="{27F47005-4ACA-45F5-B9FE-83B7C7535A8A}" type="datetime2">
               <a:rPr lang="en-US" smtClean="0"/>
-              <a:t>Thursday, March 30, 2017</a:t>
+              <a:t>Thursday, June 1, 2017</a:t>
             </a:fld>
             <a:endParaRPr lang="en-US" dirty="0"/>
           </a:p>
@@ -4523,7 +4523,7 @@
           <a:p>
             <a:fld id="{EFB8E7DB-93FB-4F06-89DA-F83430ED1E0C}" type="datetime2">
               <a:rPr lang="en-US" smtClean="0"/>
-              <a:t>Thursday, March 30, 2017</a:t>
+              <a:t>Thursday, June 1, 2017</a:t>
             </a:fld>
             <a:endParaRPr lang="en-US" dirty="0"/>
           </a:p>
@@ -4618,7 +4618,7 @@
           <a:p>
             <a:fld id="{8DA32D07-F69A-420C-8C89-AFE4D8C56BB9}" type="datetime2">
               <a:rPr lang="en-US" smtClean="0"/>
-              <a:t>Thursday, March 30, 2017</a:t>
+              <a:t>Thursday, June 1, 2017</a:t>
             </a:fld>
             <a:endParaRPr lang="en-US" dirty="0"/>
           </a:p>
@@ -4901,7 +4901,7 @@
           <a:p>
             <a:fld id="{2301D784-E30B-404C-B4C2-6231546DF472}" type="datetime2">
               <a:rPr lang="en-US" smtClean="0"/>
-              <a:t>Thursday, March 30, 2017</a:t>
+              <a:t>Thursday, June 1, 2017</a:t>
             </a:fld>
             <a:endParaRPr lang="en-US" dirty="0"/>
           </a:p>
@@ -5192,7 +5192,7 @@
           <a:p>
             <a:fld id="{EE7CD5B9-C6D1-445E-BD9E-A84AE1A78A45}" type="datetime2">
               <a:rPr lang="en-US" smtClean="0"/>
-              <a:t>Thursday, March 30, 2017</a:t>
+              <a:t>Thursday, June 1, 2017</a:t>
             </a:fld>
             <a:endParaRPr lang="en-US" dirty="0"/>
           </a:p>
@@ -5423,7 +5423,7 @@
           <a:p>
             <a:fld id="{A9BB0E64-6F21-48FC-B063-AE41D07BC000}" type="datetime2">
               <a:rPr lang="en-US" smtClean="0"/>
-              <a:t>Thursday, March 30, 2017</a:t>
+              <a:t>Thursday, June 1, 2017</a:t>
             </a:fld>
             <a:endParaRPr lang="en-US" dirty="0"/>
           </a:p>
@@ -6302,7 +6302,7 @@
           <a:p>
             <a:fld id="{DA1798AA-D389-4F43-B1E6-F1D3ADF38923}" type="datetime2">
               <a:rPr lang="en-US" smtClean="0"/>
-              <a:t>Thursday, March 30, 2017</a:t>
+              <a:t>Thursday, June 1, 2017</a:t>
             </a:fld>
             <a:endParaRPr lang="en-US" dirty="0"/>
           </a:p>
@@ -6400,7 +6400,7 @@
           <a:p>
             <a:fld id="{EFB8E7DB-93FB-4F06-89DA-F83430ED1E0C}" type="datetime2">
               <a:rPr lang="en-US" smtClean="0"/>
-              <a:t>Thursday, March 30, 2017</a:t>
+              <a:t>Thursday, June 1, 2017</a:t>
             </a:fld>
             <a:endParaRPr lang="en-US" dirty="0"/>
           </a:p>
@@ -6487,14 +6487,14 @@
           <p:nvPr>
             <p:extLst>
               <p:ext uri="{D42A27DB-BD31-4B8C-83A1-F6EECF244321}">
-                <p14:modId xmlns:p14="http://schemas.microsoft.com/office/powerpoint/2010/main" val="2580282450"/>
+                <p14:modId xmlns:p14="http://schemas.microsoft.com/office/powerpoint/2010/main" val="3585663919"/>
               </p:ext>
             </p:extLst>
           </p:nvPr>
         </p:nvGraphicFramePr>
         <p:xfrm>
           <a:off x="7050881" y="2867818"/>
-          <a:ext cx="4707731" cy="3380577"/>
+          <a:ext cx="4707731" cy="3395735"/>
         </p:xfrm>
         <a:graphic>
           <a:graphicData uri="http://schemas.openxmlformats.org/drawingml/2006/table">
@@ -6510,14 +6510,14 @@
                     </a:ext>
                   </a:extLst>
                 </a:gridCol>
-                <a:gridCol w="59273">
+                <a:gridCol w="38100">
                   <a:extLst>
                     <a:ext uri="{9D8B030D-6E8A-4147-A177-3AD203B41FA5}">
                       <a16:colId xmlns:a16="http://schemas.microsoft.com/office/drawing/2014/main" val="4173271042"/>
                     </a:ext>
                   </a:extLst>
                 </a:gridCol>
-                <a:gridCol w="1206496">
+                <a:gridCol w="1227669">
                   <a:extLst>
                     <a:ext uri="{9D8B030D-6E8A-4147-A177-3AD203B41FA5}">
                       <a16:colId xmlns:a16="http://schemas.microsoft.com/office/drawing/2014/main" val="227003254"/>
@@ -6555,7 +6555,7 @@
                     <a:lstStyle/>
                     <a:p>
                       <a:pPr algn="l" fontAlgn="b"/>
-                      <a:endParaRPr lang="de-AT" sz="1100" b="0" i="0" u="none" strike="noStrike">
+                      <a:endParaRPr lang="de-AT" sz="1100" b="0" i="0" u="none" strike="noStrike" dirty="0">
                         <a:solidFill>
                           <a:srgbClr val="000000"/>
                         </a:solidFill>
@@ -6573,12 +6573,12 @@
                     <a:p>
                       <a:pPr algn="l" fontAlgn="b"/>
                       <a:r>
-                        <a:rPr lang="de-AT" sz="1100" u="none" strike="noStrike">
+                        <a:rPr lang="de-AT" sz="1100" u="none" strike="noStrike" dirty="0">
                           <a:effectLst/>
                         </a:rPr>
-                        <a:t>Gesamtdauer</a:t>
+                        <a:t>Gesamtdauer[h]</a:t>
                       </a:r>
-                      <a:endParaRPr lang="de-AT" sz="1100" b="0" i="0" u="none" strike="noStrike">
+                      <a:endParaRPr lang="de-AT" sz="1100" b="0" i="0" u="none" strike="noStrike" dirty="0">
                         <a:solidFill>
                           <a:srgbClr val="000000"/>
                         </a:solidFill>
@@ -6595,7 +6595,7 @@
                   </a:ext>
                 </a:extLst>
               </a:tr>
-              <a:tr h="295872">
+              <a:tr h="311030">
                 <a:tc>
                   <a:txBody>
                     <a:bodyPr/>
@@ -6603,12 +6603,12 @@
                     <a:p>
                       <a:pPr algn="l" fontAlgn="b"/>
                       <a:r>
-                        <a:rPr lang="de-AT" sz="1100" u="none" strike="noStrike">
+                        <a:rPr lang="de-AT" sz="1100" u="none" strike="noStrike" dirty="0">
                           <a:effectLst/>
                         </a:rPr>
-                        <a:t>Start</a:t>
+                        <a:t>Einteilung</a:t>
                       </a:r>
-                      <a:endParaRPr lang="de-AT" sz="1100" b="0" i="0" u="none" strike="noStrike">
+                      <a:endParaRPr lang="de-AT" sz="1100" b="0" i="0" u="none" strike="noStrike" dirty="0">
                         <a:solidFill>
                           <a:srgbClr val="000000"/>
                         </a:solidFill>
@@ -6625,7 +6625,7 @@
                     <a:lstStyle/>
                     <a:p>
                       <a:pPr algn="l" fontAlgn="b"/>
-                      <a:endParaRPr lang="de-AT" sz="1100" b="0" i="0" u="none" strike="noStrike">
+                      <a:endParaRPr lang="de-AT" sz="1100" b="0" i="0" u="none" strike="noStrike" dirty="0">
                         <a:solidFill>
                           <a:srgbClr val="000000"/>
                         </a:solidFill>
@@ -6643,7 +6643,7 @@
                     <a:p>
                       <a:pPr algn="r" fontAlgn="b"/>
                       <a:r>
-                        <a:rPr lang="de-AT" sz="1100" b="0" i="0" u="none" strike="noStrike" dirty="0">
+                        <a:rPr lang="de-AT" sz="1100" b="0" i="0" u="none" strike="noStrike">
                           <a:solidFill>
                             <a:srgbClr val="000000"/>
                           </a:solidFill>
@@ -6654,81 +6654,11 @@
                       </a:r>
                     </a:p>
                   </a:txBody>
-                  <a:tcPr marL="6350" marR="6350" marT="6350" marB="0" anchor="b"/>
+                  <a:tcPr marL="7620" marR="7620" marT="7620" marB="0" anchor="b"/>
                 </a:tc>
                 <a:extLst>
                   <a:ext uri="{0D108BD9-81ED-4DB2-BD59-A6C34878D82A}">
                     <a16:rowId xmlns:a16="http://schemas.microsoft.com/office/drawing/2014/main" val="3974682803"/>
-                  </a:ext>
-                </a:extLst>
-              </a:tr>
-              <a:tr h="295872">
-                <a:tc>
-                  <a:txBody>
-                    <a:bodyPr/>
-                    <a:lstStyle/>
-                    <a:p>
-                      <a:pPr algn="l" fontAlgn="b"/>
-                      <a:r>
-                        <a:rPr lang="de-AT" sz="1100" u="none" strike="noStrike">
-                          <a:effectLst/>
-                        </a:rPr>
-                        <a:t>Einteilung</a:t>
-                      </a:r>
-                      <a:endParaRPr lang="de-AT" sz="1100" b="0" i="0" u="none" strike="noStrike">
-                        <a:solidFill>
-                          <a:srgbClr val="000000"/>
-                        </a:solidFill>
-                        <a:effectLst/>
-                        <a:latin typeface="Calibri" panose="020F0502020204030204" pitchFamily="34" charset="0"/>
-                      </a:endParaRPr>
-                    </a:p>
-                  </a:txBody>
-                  <a:tcPr marL="6350" marR="6350" marT="6350" marB="0" anchor="b"/>
-                </a:tc>
-                <a:tc>
-                  <a:txBody>
-                    <a:bodyPr/>
-                    <a:lstStyle/>
-                    <a:p>
-                      <a:pPr algn="l" fontAlgn="b"/>
-                      <a:endParaRPr lang="de-AT" sz="1100" b="0" i="0" u="none" strike="noStrike">
-                        <a:solidFill>
-                          <a:srgbClr val="000000"/>
-                        </a:solidFill>
-                        <a:effectLst/>
-                        <a:latin typeface="Calibri" panose="020F0502020204030204" pitchFamily="34" charset="0"/>
-                      </a:endParaRPr>
-                    </a:p>
-                  </a:txBody>
-                  <a:tcPr marL="6350" marR="6350" marT="6350" marB="0" anchor="b"/>
-                </a:tc>
-                <a:tc>
-                  <a:txBody>
-                    <a:bodyPr/>
-                    <a:lstStyle/>
-                    <a:p>
-                      <a:pPr algn="r" fontAlgn="b"/>
-                      <a:r>
-                        <a:rPr lang="de-AT" sz="1100" u="none" strike="noStrike">
-                          <a:effectLst/>
-                        </a:rPr>
-                        <a:t>5</a:t>
-                      </a:r>
-                      <a:endParaRPr lang="de-AT" sz="1100" b="0" i="0" u="none" strike="noStrike">
-                        <a:solidFill>
-                          <a:srgbClr val="000000"/>
-                        </a:solidFill>
-                        <a:effectLst/>
-                        <a:latin typeface="Calibri" panose="020F0502020204030204" pitchFamily="34" charset="0"/>
-                      </a:endParaRPr>
-                    </a:p>
-                  </a:txBody>
-                  <a:tcPr marL="6350" marR="6350" marT="6350" marB="0" anchor="b"/>
-                </a:tc>
-                <a:extLst>
-                  <a:ext uri="{0D108BD9-81ED-4DB2-BD59-A6C34878D82A}">
-                    <a16:rowId xmlns:a16="http://schemas.microsoft.com/office/drawing/2014/main" val="57327693"/>
                   </a:ext>
                 </a:extLst>
               </a:tr>
@@ -6762,7 +6692,7 @@
                     <a:lstStyle/>
                     <a:p>
                       <a:pPr algn="l" fontAlgn="b"/>
-                      <a:endParaRPr lang="de-AT" sz="1100" b="0" i="0" u="none" strike="noStrike">
+                      <a:endParaRPr lang="de-AT" sz="1100" b="0" i="0" u="none" strike="noStrike" dirty="0">
                         <a:solidFill>
                           <a:srgbClr val="000000"/>
                         </a:solidFill>
@@ -6780,25 +6710,22 @@
                     <a:p>
                       <a:pPr algn="r" fontAlgn="b"/>
                       <a:r>
-                        <a:rPr lang="de-AT" sz="1100" u="none" strike="noStrike">
+                        <a:rPr lang="de-AT" sz="1100" b="0" i="0" u="none" strike="noStrike" dirty="0">
+                          <a:solidFill>
+                            <a:srgbClr val="000000"/>
+                          </a:solidFill>
                           <a:effectLst/>
+                          <a:latin typeface="Calibri" panose="020F0502020204030204" pitchFamily="34" charset="0"/>
                         </a:rPr>
                         <a:t>5</a:t>
                       </a:r>
-                      <a:endParaRPr lang="de-AT" sz="1100" b="0" i="0" u="none" strike="noStrike">
-                        <a:solidFill>
-                          <a:srgbClr val="000000"/>
-                        </a:solidFill>
-                        <a:effectLst/>
-                        <a:latin typeface="Calibri" panose="020F0502020204030204" pitchFamily="34" charset="0"/>
-                      </a:endParaRPr>
                     </a:p>
                   </a:txBody>
-                  <a:tcPr marL="6350" marR="6350" marT="6350" marB="0" anchor="b"/>
+                  <a:tcPr marL="7620" marR="7620" marT="7620" marB="0" anchor="b"/>
                 </a:tc>
                 <a:extLst>
                   <a:ext uri="{0D108BD9-81ED-4DB2-BD59-A6C34878D82A}">
-                    <a16:rowId xmlns:a16="http://schemas.microsoft.com/office/drawing/2014/main" val="1690510163"/>
+                    <a16:rowId xmlns:a16="http://schemas.microsoft.com/office/drawing/2014/main" val="57327693"/>
                   </a:ext>
                 </a:extLst>
               </a:tr>
@@ -6850,25 +6777,22 @@
                     <a:p>
                       <a:pPr algn="r" fontAlgn="b"/>
                       <a:r>
-                        <a:rPr lang="de-AT" sz="1100" u="none" strike="noStrike">
+                        <a:rPr lang="de-AT" sz="1100" b="0" i="0" u="none" strike="noStrike" dirty="0">
+                          <a:solidFill>
+                            <a:srgbClr val="000000"/>
+                          </a:solidFill>
                           <a:effectLst/>
+                          <a:latin typeface="Calibri" panose="020F0502020204030204" pitchFamily="34" charset="0"/>
                         </a:rPr>
                         <a:t>12,5</a:t>
                       </a:r>
-                      <a:endParaRPr lang="de-AT" sz="1100" b="0" i="0" u="none" strike="noStrike">
-                        <a:solidFill>
-                          <a:srgbClr val="000000"/>
-                        </a:solidFill>
-                        <a:effectLst/>
-                        <a:latin typeface="Calibri" panose="020F0502020204030204" pitchFamily="34" charset="0"/>
-                      </a:endParaRPr>
                     </a:p>
                   </a:txBody>
-                  <a:tcPr marL="6350" marR="6350" marT="6350" marB="0" anchor="b"/>
+                  <a:tcPr marL="7620" marR="7620" marT="7620" marB="0" anchor="b"/>
                 </a:tc>
                 <a:extLst>
                   <a:ext uri="{0D108BD9-81ED-4DB2-BD59-A6C34878D82A}">
-                    <a16:rowId xmlns:a16="http://schemas.microsoft.com/office/drawing/2014/main" val="1949158653"/>
+                    <a16:rowId xmlns:a16="http://schemas.microsoft.com/office/drawing/2014/main" val="1690510163"/>
                   </a:ext>
                 </a:extLst>
               </a:tr>
@@ -6920,25 +6844,22 @@
                     <a:p>
                       <a:pPr algn="r" fontAlgn="b"/>
                       <a:r>
-                        <a:rPr lang="de-AT" sz="1100" u="none" strike="noStrike">
+                        <a:rPr lang="de-AT" sz="1100" b="0" i="0" u="none" strike="noStrike" dirty="0">
+                          <a:solidFill>
+                            <a:srgbClr val="000000"/>
+                          </a:solidFill>
                           <a:effectLst/>
+                          <a:latin typeface="Calibri" panose="020F0502020204030204" pitchFamily="34" charset="0"/>
                         </a:rPr>
                         <a:t>8,5</a:t>
                       </a:r>
-                      <a:endParaRPr lang="de-AT" sz="1100" b="0" i="0" u="none" strike="noStrike">
-                        <a:solidFill>
-                          <a:srgbClr val="000000"/>
-                        </a:solidFill>
-                        <a:effectLst/>
-                        <a:latin typeface="Calibri" panose="020F0502020204030204" pitchFamily="34" charset="0"/>
-                      </a:endParaRPr>
                     </a:p>
                   </a:txBody>
-                  <a:tcPr marL="6350" marR="6350" marT="6350" marB="0" anchor="b"/>
+                  <a:tcPr marL="7620" marR="7620" marT="7620" marB="0" anchor="b"/>
                 </a:tc>
                 <a:extLst>
                   <a:ext uri="{0D108BD9-81ED-4DB2-BD59-A6C34878D82A}">
-                    <a16:rowId xmlns:a16="http://schemas.microsoft.com/office/drawing/2014/main" val="201458978"/>
+                    <a16:rowId xmlns:a16="http://schemas.microsoft.com/office/drawing/2014/main" val="1949158653"/>
                   </a:ext>
                 </a:extLst>
               </a:tr>
@@ -6990,25 +6911,22 @@
                     <a:p>
                       <a:pPr algn="r" fontAlgn="b"/>
                       <a:r>
-                        <a:rPr lang="de-AT" sz="1100" u="none" strike="noStrike">
+                        <a:rPr lang="de-AT" sz="1100" b="0" i="0" u="none" strike="noStrike" dirty="0">
+                          <a:solidFill>
+                            <a:srgbClr val="000000"/>
+                          </a:solidFill>
                           <a:effectLst/>
+                          <a:latin typeface="Calibri" panose="020F0502020204030204" pitchFamily="34" charset="0"/>
                         </a:rPr>
-                        <a:t>11</a:t>
+                        <a:t>32</a:t>
                       </a:r>
-                      <a:endParaRPr lang="de-AT" sz="1100" b="0" i="0" u="none" strike="noStrike">
-                        <a:solidFill>
-                          <a:srgbClr val="000000"/>
-                        </a:solidFill>
-                        <a:effectLst/>
-                        <a:latin typeface="Calibri" panose="020F0502020204030204" pitchFamily="34" charset="0"/>
-                      </a:endParaRPr>
                     </a:p>
                   </a:txBody>
-                  <a:tcPr marL="6350" marR="6350" marT="6350" marB="0" anchor="b"/>
+                  <a:tcPr marL="7620" marR="7620" marT="7620" marB="0" anchor="b"/>
                 </a:tc>
                 <a:extLst>
                   <a:ext uri="{0D108BD9-81ED-4DB2-BD59-A6C34878D82A}">
-                    <a16:rowId xmlns:a16="http://schemas.microsoft.com/office/drawing/2014/main" val="1777277931"/>
+                    <a16:rowId xmlns:a16="http://schemas.microsoft.com/office/drawing/2014/main" val="201458978"/>
                   </a:ext>
                 </a:extLst>
               </a:tr>
@@ -7060,25 +6978,22 @@
                     <a:p>
                       <a:pPr algn="r" fontAlgn="b"/>
                       <a:r>
-                        <a:rPr lang="de-AT" sz="1100" u="none" strike="noStrike">
+                        <a:rPr lang="de-AT" sz="1100" b="0" i="0" u="none" strike="noStrike" dirty="0">
+                          <a:solidFill>
+                            <a:srgbClr val="000000"/>
+                          </a:solidFill>
                           <a:effectLst/>
+                          <a:latin typeface="Calibri" panose="020F0502020204030204" pitchFamily="34" charset="0"/>
                         </a:rPr>
                         <a:t>3</a:t>
                       </a:r>
-                      <a:endParaRPr lang="de-AT" sz="1100" b="0" i="0" u="none" strike="noStrike">
-                        <a:solidFill>
-                          <a:srgbClr val="000000"/>
-                        </a:solidFill>
-                        <a:effectLst/>
-                        <a:latin typeface="Calibri" panose="020F0502020204030204" pitchFamily="34" charset="0"/>
-                      </a:endParaRPr>
                     </a:p>
                   </a:txBody>
-                  <a:tcPr marL="6350" marR="6350" marT="6350" marB="0" anchor="b"/>
+                  <a:tcPr marL="7620" marR="7620" marT="7620" marB="0" anchor="b"/>
                 </a:tc>
                 <a:extLst>
                   <a:ext uri="{0D108BD9-81ED-4DB2-BD59-A6C34878D82A}">
-                    <a16:rowId xmlns:a16="http://schemas.microsoft.com/office/drawing/2014/main" val="778580692"/>
+                    <a16:rowId xmlns:a16="http://schemas.microsoft.com/office/drawing/2014/main" val="1777277931"/>
                   </a:ext>
                 </a:extLst>
               </a:tr>
@@ -7130,25 +7045,22 @@
                     <a:p>
                       <a:pPr algn="r" fontAlgn="b"/>
                       <a:r>
-                        <a:rPr lang="de-AT" sz="1100" u="none" strike="noStrike">
+                        <a:rPr lang="de-AT" sz="1100" b="0" i="0" u="none" strike="noStrike" dirty="0">
+                          <a:solidFill>
+                            <a:srgbClr val="000000"/>
+                          </a:solidFill>
                           <a:effectLst/>
+                          <a:latin typeface="Calibri" panose="020F0502020204030204" pitchFamily="34" charset="0"/>
                         </a:rPr>
-                        <a:t>20,5</a:t>
+                        <a:t>21</a:t>
                       </a:r>
-                      <a:endParaRPr lang="de-AT" sz="1100" b="0" i="0" u="none" strike="noStrike">
-                        <a:solidFill>
-                          <a:srgbClr val="000000"/>
-                        </a:solidFill>
-                        <a:effectLst/>
-                        <a:latin typeface="Calibri" panose="020F0502020204030204" pitchFamily="34" charset="0"/>
-                      </a:endParaRPr>
                     </a:p>
                   </a:txBody>
-                  <a:tcPr marL="6350" marR="6350" marT="6350" marB="0" anchor="b"/>
+                  <a:tcPr marL="7620" marR="7620" marT="7620" marB="0" anchor="b"/>
                 </a:tc>
                 <a:extLst>
                   <a:ext uri="{0D108BD9-81ED-4DB2-BD59-A6C34878D82A}">
-                    <a16:rowId xmlns:a16="http://schemas.microsoft.com/office/drawing/2014/main" val="1998009591"/>
+                    <a16:rowId xmlns:a16="http://schemas.microsoft.com/office/drawing/2014/main" val="778580692"/>
                   </a:ext>
                 </a:extLst>
               </a:tr>
@@ -7160,12 +7072,12 @@
                     <a:p>
                       <a:pPr algn="l" fontAlgn="b"/>
                       <a:r>
-                        <a:rPr lang="de-AT" sz="1100" u="none" strike="noStrike">
+                        <a:rPr lang="de-AT" sz="1100" u="none" strike="noStrike" dirty="0">
                           <a:effectLst/>
                         </a:rPr>
                         <a:t>Projekthandbuch</a:t>
                       </a:r>
-                      <a:endParaRPr lang="de-AT" sz="1100" b="0" i="0" u="none" strike="noStrike">
+                      <a:endParaRPr lang="de-AT" sz="1100" b="0" i="0" u="none" strike="noStrike" dirty="0">
                         <a:solidFill>
                           <a:srgbClr val="000000"/>
                         </a:solidFill>
@@ -7200,12 +7112,39 @@
                     <a:p>
                       <a:pPr algn="r" fontAlgn="b"/>
                       <a:r>
-                        <a:rPr lang="de-AT" sz="1100" u="none" strike="noStrike">
+                        <a:rPr lang="de-AT" sz="1100" b="0" i="0" u="none" strike="noStrike" dirty="0">
+                          <a:solidFill>
+                            <a:srgbClr val="000000"/>
+                          </a:solidFill>
+                          <a:effectLst/>
+                          <a:latin typeface="Calibri" panose="020F0502020204030204" pitchFamily="34" charset="0"/>
+                        </a:rPr>
+                        <a:t>34</a:t>
+                      </a:r>
+                    </a:p>
+                  </a:txBody>
+                  <a:tcPr marL="7620" marR="7620" marT="7620" marB="0" anchor="b"/>
+                </a:tc>
+                <a:extLst>
+                  <a:ext uri="{0D108BD9-81ED-4DB2-BD59-A6C34878D82A}">
+                    <a16:rowId xmlns:a16="http://schemas.microsoft.com/office/drawing/2014/main" val="1998009591"/>
+                  </a:ext>
+                </a:extLst>
+              </a:tr>
+              <a:tr h="295872">
+                <a:tc>
+                  <a:txBody>
+                    <a:bodyPr/>
+                    <a:lstStyle/>
+                    <a:p>
+                      <a:pPr algn="l" fontAlgn="b"/>
+                      <a:r>
+                        <a:rPr lang="de-AT" sz="1100" u="none" strike="noStrike" dirty="0">
                           <a:effectLst/>
                         </a:rPr>
-                        <a:t>6,7</a:t>
+                        <a:t>Datenbank</a:t>
                       </a:r>
-                      <a:endParaRPr lang="de-AT" sz="1100" b="0" i="0" u="none" strike="noStrike">
+                      <a:endParaRPr lang="de-AT" sz="1100" b="0" i="0" u="none" strike="noStrike" dirty="0">
                         <a:solidFill>
                           <a:srgbClr val="000000"/>
                         </a:solidFill>
@@ -7215,6 +7154,43 @@
                     </a:p>
                   </a:txBody>
                   <a:tcPr marL="6350" marR="6350" marT="6350" marB="0" anchor="b"/>
+                </a:tc>
+                <a:tc>
+                  <a:txBody>
+                    <a:bodyPr/>
+                    <a:lstStyle/>
+                    <a:p>
+                      <a:pPr algn="l" fontAlgn="b"/>
+                      <a:endParaRPr lang="de-AT" sz="1100" b="0" i="0" u="none" strike="noStrike" dirty="0">
+                        <a:solidFill>
+                          <a:srgbClr val="000000"/>
+                        </a:solidFill>
+                        <a:effectLst/>
+                        <a:latin typeface="Calibri" panose="020F0502020204030204" pitchFamily="34" charset="0"/>
+                      </a:endParaRPr>
+                    </a:p>
+                  </a:txBody>
+                  <a:tcPr marL="6350" marR="6350" marT="6350" marB="0" anchor="b"/>
+                </a:tc>
+                <a:tc>
+                  <a:txBody>
+                    <a:bodyPr/>
+                    <a:lstStyle/>
+                    <a:p>
+                      <a:pPr algn="r" fontAlgn="b"/>
+                      <a:r>
+                        <a:rPr lang="de-AT" sz="1100" b="0" i="0" u="none" strike="noStrike" dirty="0">
+                          <a:solidFill>
+                            <a:srgbClr val="000000"/>
+                          </a:solidFill>
+                          <a:effectLst/>
+                          <a:latin typeface="Calibri" panose="020F0502020204030204" pitchFamily="34" charset="0"/>
+                        </a:rPr>
+                        <a:t>9</a:t>
+                      </a:r>
+                    </a:p>
+                  </a:txBody>
+                  <a:tcPr marL="7620" marR="7620" marT="7620" marB="0" anchor="b"/>
                 </a:tc>
                 <a:extLst>
                   <a:ext uri="{0D108BD9-81ED-4DB2-BD59-A6C34878D82A}">
@@ -7255,7 +7231,7 @@
                     <a:lstStyle/>
                     <a:p>
                       <a:pPr algn="l" fontAlgn="b"/>
-                      <a:endParaRPr lang="de-AT" sz="1100" b="0" i="0" u="none" strike="noStrike">
+                      <a:endParaRPr lang="de-AT" sz="1100" b="0" i="0" u="none" strike="noStrike" dirty="0">
                         <a:solidFill>
                           <a:srgbClr val="000000"/>
                         </a:solidFill>
@@ -7279,7 +7255,7 @@
                           </a:solidFill>
                           <a:effectLst/>
                         </a:rPr>
-                        <a:t>77,2</a:t>
+                        <a:t>130</a:t>
                       </a:r>
                       <a:endParaRPr lang="de-AT" sz="1800" b="1" i="0" u="none" strike="noStrike" dirty="0">
                         <a:solidFill>
@@ -7623,7 +7599,7 @@
           <a:p>
             <a:fld id="{541EF58E-3CF4-40DF-AA30-54207D7A60CB}" type="datetime2">
               <a:rPr lang="en-US" smtClean="0"/>
-              <a:t>Thursday, March 30, 2017</a:t>
+              <a:t>Thursday, June 1, 2017</a:t>
             </a:fld>
             <a:endParaRPr lang="en-US" dirty="0"/>
           </a:p>
@@ -7756,7 +7732,7 @@
           <a:p>
             <a:fld id="{F0CFFD29-7CD8-4142-8EAD-ADD19CDAF37E}" type="datetime2">
               <a:rPr lang="en-US" smtClean="0"/>
-              <a:t>Thursday, March 30, 2017</a:t>
+              <a:t>Thursday, June 1, 2017</a:t>
             </a:fld>
             <a:endParaRPr lang="en-US" dirty="0"/>
           </a:p>
@@ -7778,10 +7754,9 @@
           <a:lstStyle/>
           <a:p>
             <a:r>
-              <a:rPr lang="en-US"/>
+              <a:rPr lang="en-US" dirty="0"/>
               <a:t>3AHIT</a:t>
             </a:r>
-            <a:endParaRPr lang="en-US" dirty="0"/>
           </a:p>
         </p:txBody>
       </p:sp>
@@ -7882,7 +7857,7 @@
           <a:p>
             <a:fld id="{11CDB5EA-B903-405C-B14F-EAE9A485CB74}" type="datetime2">
               <a:rPr lang="en-US" smtClean="0"/>
-              <a:t>Thursday, March 30, 2017</a:t>
+              <a:t>Thursday, June 1, 2017</a:t>
             </a:fld>
             <a:endParaRPr lang="en-US" dirty="0"/>
           </a:p>
@@ -8038,7 +8013,7 @@
           <a:p>
             <a:fld id="{7D56C977-2652-49CD-8B73-9C220AB029D6}" type="datetime2">
               <a:rPr lang="en-US" smtClean="0"/>
-              <a:t>Thursday, March 30, 2017</a:t>
+              <a:t>Thursday, June 1, 2017</a:t>
             </a:fld>
             <a:endParaRPr lang="en-US" dirty="0"/>
           </a:p>
@@ -8200,7 +8175,7 @@
           <a:p>
             <a:fld id="{BAD1B5D6-40A0-47AF-A063-7EDBB16DA6EC}" type="datetime2">
               <a:rPr lang="en-US" smtClean="0"/>
-              <a:t>Thursday, March 30, 2017</a:t>
+              <a:t>Thursday, June 1, 2017</a:t>
             </a:fld>
             <a:endParaRPr lang="en-US" dirty="0"/>
           </a:p>
@@ -8347,7 +8322,7 @@
           <a:p>
             <a:fld id="{203EBFCE-A201-48DA-A528-B0DB3D20ED4D}" type="datetime2">
               <a:rPr lang="en-US" smtClean="0"/>
-              <a:t>Thursday, March 30, 2017</a:t>
+              <a:t>Thursday, June 1, 2017</a:t>
             </a:fld>
             <a:endParaRPr lang="en-US" dirty="0"/>
           </a:p>
@@ -8500,7 +8475,7 @@
           <a:p>
             <a:fld id="{F3048652-6505-40C2-B95A-56240DDCA3D9}" type="datetime2">
               <a:rPr lang="en-US" smtClean="0"/>
-              <a:t>Thursday, March 30, 2017</a:t>
+              <a:t>Thursday, June 1, 2017</a:t>
             </a:fld>
             <a:endParaRPr lang="en-US" dirty="0"/>
           </a:p>
@@ -8576,7 +8551,7 @@
           <a:p>
             <a:fld id="{8DA32D07-F69A-420C-8C89-AFE4D8C56BB9}" type="datetime2">
               <a:rPr lang="en-US" smtClean="0"/>
-              <a:t>Thursday, March 30, 2017</a:t>
+              <a:t>Thursday, June 1, 2017</a:t>
             </a:fld>
             <a:endParaRPr lang="en-US" dirty="0"/>
           </a:p>
@@ -8677,14 +8652,14 @@
           <p:nvPr>
             <p:extLst>
               <p:ext uri="{D42A27DB-BD31-4B8C-83A1-F6EECF244321}">
-                <p14:modId xmlns:p14="http://schemas.microsoft.com/office/powerpoint/2010/main" val="1082435495"/>
+                <p14:modId xmlns:p14="http://schemas.microsoft.com/office/powerpoint/2010/main" val="3375019039"/>
               </p:ext>
             </p:extLst>
           </p:nvPr>
         </p:nvGraphicFramePr>
         <p:xfrm>
           <a:off x="1576546" y="2398741"/>
-          <a:ext cx="8610442" cy="2809052"/>
+          <a:ext cx="8610442" cy="2918748"/>
         </p:xfrm>
         <a:graphic>
           <a:graphicData uri="http://schemas.openxmlformats.org/drawingml/2006/table">
@@ -8815,7 +8790,7 @@
                   </a:ext>
                 </a:extLst>
               </a:tr>
-              <a:tr h="573276">
+              <a:tr h="682972">
                 <a:tc>
                   <a:txBody>
                     <a:bodyPr/>
@@ -8883,6 +8858,22 @@
                   <a:txBody>
                     <a:bodyPr/>
                     <a:lstStyle/>
+                    <a:p>
+                      <a:pPr algn="just">
+                        <a:lnSpc>
+                          <a:spcPts val="1500"/>
+                        </a:lnSpc>
+                        <a:spcBef>
+                          <a:spcPts val="300"/>
+                        </a:spcBef>
+                        <a:spcAft>
+                          <a:spcPts val="300"/>
+                        </a:spcAft>
+                      </a:pPr>
+                      <a:endParaRPr lang="de-DE" sz="1400" dirty="0">
+                        <a:effectLst/>
+                      </a:endParaRPr>
+                    </a:p>
                     <a:p>
                       <a:pPr algn="just">
                         <a:lnSpc>
@@ -8995,13 +8986,7 @@
                           <a:spcPts val="300"/>
                         </a:spcAft>
                       </a:pPr>
-                      <a:r>
-                        <a:rPr lang="de-DE" sz="1400">
-                          <a:effectLst/>
-                        </a:rPr>
-                        <a:t>Voraussichtlich </a:t>
-                      </a:r>
-                      <a:endParaRPr lang="de-AT" sz="1200">
+                      <a:endParaRPr lang="de-DE" sz="1400" dirty="0">
                         <a:effectLst/>
                       </a:endParaRPr>
                     </a:p>
@@ -9018,12 +9003,12 @@
                         </a:spcAft>
                       </a:pPr>
                       <a:r>
-                        <a:rPr lang="de-DE" sz="1400">
+                        <a:rPr lang="de-DE" sz="1400" dirty="0">
                           <a:effectLst/>
                         </a:rPr>
-                        <a:t>Am 10.04.2017</a:t>
+                        <a:t>10.04.2017</a:t>
                       </a:r>
-                      <a:endParaRPr lang="de-AT" sz="1200">
+                      <a:endParaRPr lang="de-AT" sz="1200" dirty="0">
                         <a:effectLst/>
                         <a:latin typeface="Times New Roman" panose="02020603050405020304" pitchFamily="18" charset="0"/>
                         <a:ea typeface="Times New Roman" panose="02020603050405020304" pitchFamily="18" charset="0"/>
@@ -9117,13 +9102,7 @@
                           <a:spcPts val="300"/>
                         </a:spcAft>
                       </a:pPr>
-                      <a:r>
-                        <a:rPr lang="de-DE" sz="1400">
-                          <a:effectLst/>
-                        </a:rPr>
-                        <a:t>Voraussichtlich</a:t>
-                      </a:r>
-                      <a:endParaRPr lang="de-AT" sz="1200">
+                      <a:endParaRPr lang="de-DE" sz="1400" dirty="0">
                         <a:effectLst/>
                       </a:endParaRPr>
                     </a:p>
@@ -9140,15 +9119,13 @@
                         </a:spcAft>
                       </a:pPr>
                       <a:r>
-                        <a:rPr lang="de-DE" sz="1400">
+                        <a:rPr lang="de-DE" sz="1400" dirty="0">
                           <a:effectLst/>
                         </a:rPr>
-                        <a:t>Am 22.05.2017</a:t>
+                        <a:t>24.05.2017</a:t>
                       </a:r>
-                      <a:endParaRPr lang="de-AT" sz="1200">
+                      <a:endParaRPr lang="de-AT" sz="1400" dirty="0">
                         <a:effectLst/>
-                        <a:latin typeface="Times New Roman" panose="02020603050405020304" pitchFamily="18" charset="0"/>
-                        <a:ea typeface="Times New Roman" panose="02020603050405020304" pitchFamily="18" charset="0"/>
                       </a:endParaRPr>
                     </a:p>
                   </a:txBody>
